--- a/demo/DAPPin_that_Gas_DEFCON_Submission_BlockchainC2.pptx
+++ b/demo/DAPPin_that_Gas_DEFCON_Submission_BlockchainC2.pptx
@@ -128,12 +128,37 @@
 <p1510:revInfo xmlns:a="http://schemas.openxmlformats.org/drawingml/2006/main" xmlns:r="http://schemas.openxmlformats.org/officeDocument/2006/relationships" xmlns:p1510="http://schemas.microsoft.com/office/powerpoint/2015/10/main">
   <p1510:revLst>
     <p1510:client id="{3E3FF457-EC90-4BAF-B71A-A04A45CF9E2C}" v="23" dt="2023-11-27T00:35:24.594"/>
+    <p1510:client id="{BDC0FA6A-ADE1-81B1-9902-C958A7ECD5C4}" v="9" dt="2023-11-27T00:47:20.005"/>
   </p1510:revLst>
 </p1510:revInfo>
 </file>
 
 <file path=ppt/changesInfos/changesInfo1.xml><?xml version="1.0" encoding="utf-8"?>
 <pc:chgInfo xmlns:a="http://schemas.openxmlformats.org/drawingml/2006/main" xmlns:r="http://schemas.openxmlformats.org/officeDocument/2006/relationships" xmlns:ac="http://schemas.microsoft.com/office/drawing/2013/main/command" xmlns:pc="http://schemas.microsoft.com/office/powerpoint/2013/main/command">
+  <pc:docChgLst>
+    <pc:chgData name="Cooper Wiegand" userId="S::cooper.wiegand@ironwoodcyber.com::6499dac0-e7ee-409f-b3fe-2368eaa9e32c" providerId="AD" clId="Web-{BDC0FA6A-ADE1-81B1-9902-C958A7ECD5C4}"/>
+    <pc:docChg chg="modSld">
+      <pc:chgData name="Cooper Wiegand" userId="S::cooper.wiegand@ironwoodcyber.com::6499dac0-e7ee-409f-b3fe-2368eaa9e32c" providerId="AD" clId="Web-{BDC0FA6A-ADE1-81B1-9902-C958A7ECD5C4}" dt="2023-11-27T00:47:19.630" v="7" actId="20577"/>
+      <pc:docMkLst>
+        <pc:docMk/>
+      </pc:docMkLst>
+      <pc:sldChg chg="modSp">
+        <pc:chgData name="Cooper Wiegand" userId="S::cooper.wiegand@ironwoodcyber.com::6499dac0-e7ee-409f-b3fe-2368eaa9e32c" providerId="AD" clId="Web-{BDC0FA6A-ADE1-81B1-9902-C958A7ECD5C4}" dt="2023-11-27T00:47:19.630" v="7" actId="20577"/>
+        <pc:sldMkLst>
+          <pc:docMk/>
+          <pc:sldMk cId="1024041356" sldId="256"/>
+        </pc:sldMkLst>
+        <pc:spChg chg="mod">
+          <ac:chgData name="Cooper Wiegand" userId="S::cooper.wiegand@ironwoodcyber.com::6499dac0-e7ee-409f-b3fe-2368eaa9e32c" providerId="AD" clId="Web-{BDC0FA6A-ADE1-81B1-9902-C958A7ECD5C4}" dt="2023-11-27T00:47:19.630" v="7" actId="20577"/>
+          <ac:spMkLst>
+            <pc:docMk/>
+            <pc:sldMk cId="1024041356" sldId="256"/>
+            <ac:spMk id="2" creationId="{45AE94BA-862B-432D-9DF0-4B716166877B}"/>
+          </ac:spMkLst>
+        </pc:spChg>
+      </pc:sldChg>
+    </pc:docChg>
+  </pc:docChgLst>
   <pc:docChgLst>
     <pc:chgData name="Cooper Wiegand" userId="S::cooper.wiegand@ironwoodcyber.com::6499dac0-e7ee-409f-b3fe-2368eaa9e32c" providerId="AD" clId="Web-{3E3FF457-EC90-4BAF-B71A-A04A45CF9E2C}"/>
     <pc:docChg chg="modSld">
@@ -6918,21 +6943,9 @@
           <a:lstStyle/>
           <a:p>
             <a:r>
-              <a:rPr lang="en-US" dirty="0" err="1"/>
-              <a:t>DAPPin</a:t>
-            </a:r>
-            <a:r>
-              <a:rPr lang="en-US" dirty="0"/>
-              <a:t> that Gas</a:t>
-            </a:r>
-            <a:br>
-              <a:rPr lang="en-US" dirty="0"/>
-            </a:br>
-            <a:r>
               <a:rPr lang="en-US" sz="3600" dirty="0"/>
-              <a:t>A Blockchain Enabled C2 Solution</a:t>
-            </a:r>
-            <a:endParaRPr lang="en-US" dirty="0"/>
+              <a:t>A Choke Point Agnostic Command and Control Solution</a:t>
+            </a:r>
           </a:p>
         </p:txBody>
       </p:sp>
@@ -9859,6 +9872,15 @@
 </file>
 
 <file path=customXml/item1.xml><?xml version="1.0" encoding="utf-8"?>
+<?mso-contentType ?>
+<FormTemplates xmlns="http://schemas.microsoft.com/sharepoint/v3/contenttype/forms">
+  <Display>DocumentLibraryForm</Display>
+  <Edit>DocumentLibraryForm</Edit>
+  <New>DocumentLibraryForm</New>
+</FormTemplates>
+</file>
+
+<file path=customXml/item2.xml><?xml version="1.0" encoding="utf-8"?>
 <p:properties xmlns:p="http://schemas.microsoft.com/office/2006/metadata/properties" xmlns:xsi="http://www.w3.org/2001/XMLSchema-instance" xmlns:pc="http://schemas.microsoft.com/office/infopath/2007/PartnerControls">
   <documentManagement>
     <_ip_UnifiedCompliancePolicyUIAction xmlns="http://schemas.microsoft.com/sharepoint/v3" xsi:nil="true"/>
@@ -9869,15 +9891,6 @@
     </lcf76f155ced4ddcb4097134ff3c332f>
   </documentManagement>
 </p:properties>
-</file>
-
-<file path=customXml/item2.xml><?xml version="1.0" encoding="utf-8"?>
-<?mso-contentType ?>
-<FormTemplates xmlns="http://schemas.microsoft.com/sharepoint/v3/contenttype/forms">
-  <Display>DocumentLibraryForm</Display>
-  <Edit>DocumentLibraryForm</Edit>
-  <New>DocumentLibraryForm</New>
-</FormTemplates>
 </file>
 
 <file path=customXml/item3.xml><?xml version="1.0" encoding="utf-8"?>
@@ -10147,6 +10160,14 @@
 </file>
 
 <file path=customXml/itemProps1.xml><?xml version="1.0" encoding="utf-8"?>
+<ds:datastoreItem xmlns:ds="http://schemas.openxmlformats.org/officeDocument/2006/customXml" ds:itemID="{43DB3989-D286-43DF-BFF8-7D15F6BCFDBC}">
+  <ds:schemaRefs>
+    <ds:schemaRef ds:uri="http://schemas.microsoft.com/sharepoint/v3/contenttype/forms"/>
+  </ds:schemaRefs>
+</ds:datastoreItem>
+</file>
+
+<file path=customXml/itemProps2.xml><?xml version="1.0" encoding="utf-8"?>
 <ds:datastoreItem xmlns:ds="http://schemas.openxmlformats.org/officeDocument/2006/customXml" ds:itemID="{46A349B5-FFBC-419D-B558-90B59A3CB00C}">
   <ds:schemaRefs>
     <ds:schemaRef ds:uri="http://schemas.microsoft.com/office/2006/metadata/properties"/>
@@ -10154,14 +10175,6 @@
     <ds:schemaRef ds:uri="http://schemas.microsoft.com/sharepoint/v3"/>
     <ds:schemaRef ds:uri="aa43af5a-4115-4f20-974a-699a03a8daf1"/>
     <ds:schemaRef ds:uri="88cd6b57-1be7-449e-a42e-736260d47312"/>
-  </ds:schemaRefs>
-</ds:datastoreItem>
-</file>
-
-<file path=customXml/itemProps2.xml><?xml version="1.0" encoding="utf-8"?>
-<ds:datastoreItem xmlns:ds="http://schemas.openxmlformats.org/officeDocument/2006/customXml" ds:itemID="{43DB3989-D286-43DF-BFF8-7D15F6BCFDBC}">
-  <ds:schemaRefs>
-    <ds:schemaRef ds:uri="http://schemas.microsoft.com/sharepoint/v3/contenttype/forms"/>
   </ds:schemaRefs>
 </ds:datastoreItem>
 </file>
